--- a/intel_IP/Interface/I2C/I2C_ads122c04_SM.pptx
+++ b/intel_IP/Interface/I2C/I2C_ads122c04_SM.pptx
@@ -111,6 +111,11 @@
       </a:defRPr>
     </a:lvl9pPr>
   </p:defaultTextStyle>
+  <p:extLst>
+    <p:ext uri="{EFAFB233-063F-42B5-8137-9DF3F51BA10A}">
+      <p15:sldGuideLst xmlns:p15="http://schemas.microsoft.com/office/powerpoint/2012/main"/>
+    </p:ext>
+  </p:extLst>
 </p:presentation>
 </file>
 
@@ -261,7 +266,7 @@
           <a:p>
             <a:fld id="{67145A9F-A5A7-4461-9B54-B58F4F508FD5}" type="datetimeFigureOut">
               <a:rPr lang="zh-TW" altLang="en-US" smtClean="0"/>
-              <a:t>2025/2/28</a:t>
+              <a:t>2025/3/1</a:t>
             </a:fld>
             <a:endParaRPr lang="zh-TW" altLang="en-US"/>
           </a:p>
@@ -459,7 +464,7 @@
           <a:p>
             <a:fld id="{67145A9F-A5A7-4461-9B54-B58F4F508FD5}" type="datetimeFigureOut">
               <a:rPr lang="zh-TW" altLang="en-US" smtClean="0"/>
-              <a:t>2025/2/28</a:t>
+              <a:t>2025/3/1</a:t>
             </a:fld>
             <a:endParaRPr lang="zh-TW" altLang="en-US"/>
           </a:p>
@@ -667,7 +672,7 @@
           <a:p>
             <a:fld id="{67145A9F-A5A7-4461-9B54-B58F4F508FD5}" type="datetimeFigureOut">
               <a:rPr lang="zh-TW" altLang="en-US" smtClean="0"/>
-              <a:t>2025/2/28</a:t>
+              <a:t>2025/3/1</a:t>
             </a:fld>
             <a:endParaRPr lang="zh-TW" altLang="en-US"/>
           </a:p>
@@ -865,7 +870,7 @@
           <a:p>
             <a:fld id="{67145A9F-A5A7-4461-9B54-B58F4F508FD5}" type="datetimeFigureOut">
               <a:rPr lang="zh-TW" altLang="en-US" smtClean="0"/>
-              <a:t>2025/2/28</a:t>
+              <a:t>2025/3/1</a:t>
             </a:fld>
             <a:endParaRPr lang="zh-TW" altLang="en-US"/>
           </a:p>
@@ -1140,7 +1145,7 @@
           <a:p>
             <a:fld id="{67145A9F-A5A7-4461-9B54-B58F4F508FD5}" type="datetimeFigureOut">
               <a:rPr lang="zh-TW" altLang="en-US" smtClean="0"/>
-              <a:t>2025/2/28</a:t>
+              <a:t>2025/3/1</a:t>
             </a:fld>
             <a:endParaRPr lang="zh-TW" altLang="en-US"/>
           </a:p>
@@ -1405,7 +1410,7 @@
           <a:p>
             <a:fld id="{67145A9F-A5A7-4461-9B54-B58F4F508FD5}" type="datetimeFigureOut">
               <a:rPr lang="zh-TW" altLang="en-US" smtClean="0"/>
-              <a:t>2025/2/28</a:t>
+              <a:t>2025/3/1</a:t>
             </a:fld>
             <a:endParaRPr lang="zh-TW" altLang="en-US"/>
           </a:p>
@@ -1817,7 +1822,7 @@
           <a:p>
             <a:fld id="{67145A9F-A5A7-4461-9B54-B58F4F508FD5}" type="datetimeFigureOut">
               <a:rPr lang="zh-TW" altLang="en-US" smtClean="0"/>
-              <a:t>2025/2/28</a:t>
+              <a:t>2025/3/1</a:t>
             </a:fld>
             <a:endParaRPr lang="zh-TW" altLang="en-US"/>
           </a:p>
@@ -1958,7 +1963,7 @@
           <a:p>
             <a:fld id="{67145A9F-A5A7-4461-9B54-B58F4F508FD5}" type="datetimeFigureOut">
               <a:rPr lang="zh-TW" altLang="en-US" smtClean="0"/>
-              <a:t>2025/2/28</a:t>
+              <a:t>2025/3/1</a:t>
             </a:fld>
             <a:endParaRPr lang="zh-TW" altLang="en-US"/>
           </a:p>
@@ -2071,7 +2076,7 @@
           <a:p>
             <a:fld id="{67145A9F-A5A7-4461-9B54-B58F4F508FD5}" type="datetimeFigureOut">
               <a:rPr lang="zh-TW" altLang="en-US" smtClean="0"/>
-              <a:t>2025/2/28</a:t>
+              <a:t>2025/3/1</a:t>
             </a:fld>
             <a:endParaRPr lang="zh-TW" altLang="en-US"/>
           </a:p>
@@ -2382,7 +2387,7 @@
           <a:p>
             <a:fld id="{67145A9F-A5A7-4461-9B54-B58F4F508FD5}" type="datetimeFigureOut">
               <a:rPr lang="zh-TW" altLang="en-US" smtClean="0"/>
-              <a:t>2025/2/28</a:t>
+              <a:t>2025/3/1</a:t>
             </a:fld>
             <a:endParaRPr lang="zh-TW" altLang="en-US"/>
           </a:p>
@@ -2670,7 +2675,7 @@
           <a:p>
             <a:fld id="{67145A9F-A5A7-4461-9B54-B58F4F508FD5}" type="datetimeFigureOut">
               <a:rPr lang="zh-TW" altLang="en-US" smtClean="0"/>
-              <a:t>2025/2/28</a:t>
+              <a:t>2025/3/1</a:t>
             </a:fld>
             <a:endParaRPr lang="zh-TW" altLang="en-US"/>
           </a:p>
@@ -2911,7 +2916,7 @@
           <a:p>
             <a:fld id="{67145A9F-A5A7-4461-9B54-B58F4F508FD5}" type="datetimeFigureOut">
               <a:rPr lang="zh-TW" altLang="en-US" smtClean="0"/>
-              <a:t>2025/2/28</a:t>
+              <a:t>2025/3/1</a:t>
             </a:fld>
             <a:endParaRPr lang="zh-TW" altLang="en-US"/>
           </a:p>
@@ -4292,7 +4297,7 @@
         <p:spPr>
           <a:xfrm>
             <a:off x="413276" y="283461"/>
-            <a:ext cx="1567930" cy="369332"/>
+            <a:ext cx="1997022" cy="369332"/>
           </a:xfrm>
           <a:prstGeom prst="rect">
             <a:avLst/>
@@ -4307,7 +4312,7 @@
           <a:p>
             <a:r>
               <a:rPr lang="en-US" altLang="zh-TW" dirty="0"/>
-              <a:t>Write_register</a:t>
+              <a:t>mode CPU_WREG</a:t>
             </a:r>
             <a:endParaRPr lang="zh-TW" altLang="en-US" dirty="0"/>
           </a:p>
@@ -5094,7 +5099,7 @@
         <p:spPr>
           <a:xfrm>
             <a:off x="413276" y="283461"/>
-            <a:ext cx="1551194" cy="369332"/>
+            <a:ext cx="1931298" cy="369332"/>
           </a:xfrm>
           <a:prstGeom prst="rect">
             <a:avLst/>
@@ -5109,7 +5114,7 @@
           <a:p>
             <a:r>
               <a:rPr lang="en-US" altLang="zh-TW" dirty="0"/>
-              <a:t>Read_register</a:t>
+              <a:t>mode CPU_RREG</a:t>
             </a:r>
             <a:endParaRPr lang="zh-TW" altLang="en-US" dirty="0"/>
           </a:p>
@@ -6756,7 +6761,7 @@
         <p:spPr>
           <a:xfrm>
             <a:off x="413276" y="283461"/>
-            <a:ext cx="1254126" cy="369332"/>
+            <a:ext cx="1175322" cy="369332"/>
           </a:xfrm>
           <a:prstGeom prst="rect">
             <a:avLst/>
@@ -6771,7 +6776,7 @@
           <a:p>
             <a:r>
               <a:rPr lang="en-US" altLang="zh-TW" dirty="0"/>
-              <a:t>Read_data</a:t>
+              <a:t>mode HW</a:t>
             </a:r>
             <a:endParaRPr lang="zh-TW" altLang="en-US" dirty="0"/>
           </a:p>
@@ -10352,7 +10357,7 @@
         <p:spPr>
           <a:xfrm>
             <a:off x="202095" y="2857212"/>
-            <a:ext cx="2054088" cy="646331"/>
+            <a:ext cx="1680268" cy="646331"/>
           </a:xfrm>
           <a:prstGeom prst="rect">
             <a:avLst/>
@@ -10381,7 +10386,7 @@
                   <a:srgbClr val="7030A0"/>
                 </a:solidFill>
               </a:rPr>
-              <a:t>4-2 read 24bit data</a:t>
+              <a:t>4-2 READ_ADC</a:t>
             </a:r>
             <a:endParaRPr lang="zh-TW" altLang="en-US" dirty="0">
               <a:solidFill>
